--- a/Tareas/Tarea 1 - Exposición Git.pptx
+++ b/Tareas/Tarea 1 - Exposición Git.pptx
@@ -840,7 +840,7 @@
             <a:fld id="{B61BEF0D-F0BB-DE4B-95CE-6DB70DBA9567}" type="datetimeFigureOut">
               <a:rPr lang="en-US" dirty="0"/>
               <a:pPr/>
-              <a:t>1/27/2015</a:t>
+              <a:t>1/30/2015</a:t>
             </a:fld>
             <a:endParaRPr lang="en-US" dirty="0"/>
           </a:p>
@@ -1088,7 +1088,7 @@
             <a:fld id="{B61BEF0D-F0BB-DE4B-95CE-6DB70DBA9567}" type="datetimeFigureOut">
               <a:rPr lang="en-US" dirty="0"/>
               <a:pPr/>
-              <a:t>1/27/2015</a:t>
+              <a:t>1/30/2015</a:t>
             </a:fld>
             <a:endParaRPr lang="en-US" dirty="0"/>
           </a:p>
@@ -1399,7 +1399,7 @@
             <a:fld id="{B61BEF0D-F0BB-DE4B-95CE-6DB70DBA9567}" type="datetimeFigureOut">
               <a:rPr lang="en-US" dirty="0"/>
               <a:pPr/>
-              <a:t>1/27/2015</a:t>
+              <a:t>1/30/2015</a:t>
             </a:fld>
             <a:endParaRPr lang="en-US" dirty="0"/>
           </a:p>
@@ -1737,7 +1737,7 @@
             <a:fld id="{B61BEF0D-F0BB-DE4B-95CE-6DB70DBA9567}" type="datetimeFigureOut">
               <a:rPr lang="en-US" dirty="0"/>
               <a:pPr/>
-              <a:t>1/27/2015</a:t>
+              <a:t>1/30/2015</a:t>
             </a:fld>
             <a:endParaRPr lang="en-US" dirty="0"/>
           </a:p>
@@ -2048,7 +2048,7 @@
             <a:fld id="{B61BEF0D-F0BB-DE4B-95CE-6DB70DBA9567}" type="datetimeFigureOut">
               <a:rPr lang="en-US" dirty="0"/>
               <a:pPr/>
-              <a:t>1/27/2015</a:t>
+              <a:t>1/30/2015</a:t>
             </a:fld>
             <a:endParaRPr lang="en-US" dirty="0"/>
           </a:p>
@@ -2438,7 +2438,7 @@
             <a:fld id="{B61BEF0D-F0BB-DE4B-95CE-6DB70DBA9567}" type="datetimeFigureOut">
               <a:rPr lang="en-US" dirty="0"/>
               <a:pPr/>
-              <a:t>1/27/2015</a:t>
+              <a:t>1/30/2015</a:t>
             </a:fld>
             <a:endParaRPr lang="en-US" dirty="0"/>
           </a:p>
@@ -2604,7 +2604,7 @@
           <a:p>
             <a:fld id="{55C6B4A9-1611-4792-9094-5F34BCA07E0B}" type="datetimeFigureOut">
               <a:rPr lang="en-US" dirty="0"/>
-              <a:t>1/27/2015</a:t>
+              <a:t>1/30/2015</a:t>
             </a:fld>
             <a:endParaRPr lang="en-US" dirty="0"/>
           </a:p>
@@ -2780,7 +2780,7 @@
             <a:fld id="{B61BEF0D-F0BB-DE4B-95CE-6DB70DBA9567}" type="datetimeFigureOut">
               <a:rPr lang="en-US" dirty="0"/>
               <a:pPr/>
-              <a:t>1/27/2015</a:t>
+              <a:t>1/30/2015</a:t>
             </a:fld>
             <a:endParaRPr lang="en-US" dirty="0"/>
           </a:p>
@@ -2953,7 +2953,7 @@
             <a:fld id="{B61BEF0D-F0BB-DE4B-95CE-6DB70DBA9567}" type="datetimeFigureOut">
               <a:rPr lang="en-US" dirty="0"/>
               <a:pPr/>
-              <a:t>1/27/2015</a:t>
+              <a:t>1/30/2015</a:t>
             </a:fld>
             <a:endParaRPr lang="en-US" dirty="0"/>
           </a:p>
@@ -3197,7 +3197,7 @@
             <a:fld id="{B61BEF0D-F0BB-DE4B-95CE-6DB70DBA9567}" type="datetimeFigureOut">
               <a:rPr lang="en-US" dirty="0"/>
               <a:pPr/>
-              <a:t>1/27/2015</a:t>
+              <a:t>1/30/2015</a:t>
             </a:fld>
             <a:endParaRPr lang="en-US" dirty="0"/>
           </a:p>
@@ -3425,7 +3425,7 @@
           <a:p>
             <a:fld id="{EB712588-04B1-427B-82EE-E8DB90309F08}" type="datetimeFigureOut">
               <a:rPr lang="en-US" dirty="0"/>
-              <a:t>1/27/2015</a:t>
+              <a:t>1/30/2015</a:t>
             </a:fld>
             <a:endParaRPr lang="en-US" dirty="0"/>
           </a:p>
@@ -3795,7 +3795,7 @@
             <a:fld id="{B61BEF0D-F0BB-DE4B-95CE-6DB70DBA9567}" type="datetimeFigureOut">
               <a:rPr lang="en-US" dirty="0"/>
               <a:pPr/>
-              <a:t>1/27/2015</a:t>
+              <a:t>1/30/2015</a:t>
             </a:fld>
             <a:endParaRPr lang="en-US" dirty="0"/>
           </a:p>
@@ -3915,7 +3915,7 @@
             <a:fld id="{B61BEF0D-F0BB-DE4B-95CE-6DB70DBA9567}" type="datetimeFigureOut">
               <a:rPr lang="en-US" dirty="0"/>
               <a:pPr/>
-              <a:t>1/27/2015</a:t>
+              <a:t>1/30/2015</a:t>
             </a:fld>
             <a:endParaRPr lang="en-US" dirty="0"/>
           </a:p>
@@ -4007,7 +4007,7 @@
             <a:fld id="{B61BEF0D-F0BB-DE4B-95CE-6DB70DBA9567}" type="datetimeFigureOut">
               <a:rPr lang="en-US" dirty="0"/>
               <a:pPr/>
-              <a:t>1/27/2015</a:t>
+              <a:t>1/30/2015</a:t>
             </a:fld>
             <a:endParaRPr lang="en-US" dirty="0"/>
           </a:p>
@@ -4258,7 +4258,7 @@
           <a:p>
             <a:fld id="{42A54C80-263E-416B-A8E0-580EDEADCBDC}" type="datetimeFigureOut">
               <a:rPr lang="en-US" dirty="0"/>
-              <a:t>1/27/2015</a:t>
+              <a:t>1/30/2015</a:t>
             </a:fld>
             <a:endParaRPr lang="en-US" dirty="0"/>
           </a:p>
@@ -4517,7 +4517,7 @@
             <a:fld id="{B61BEF0D-F0BB-DE4B-95CE-6DB70DBA9567}" type="datetimeFigureOut">
               <a:rPr lang="en-US" dirty="0"/>
               <a:pPr/>
-              <a:t>1/27/2015</a:t>
+              <a:t>1/30/2015</a:t>
             </a:fld>
             <a:endParaRPr lang="en-US" dirty="0"/>
           </a:p>
@@ -5257,7 +5257,7 @@
             <a:fld id="{B61BEF0D-F0BB-DE4B-95CE-6DB70DBA9567}" type="datetimeFigureOut">
               <a:rPr lang="en-US" dirty="0"/>
               <a:pPr/>
-              <a:t>1/27/2015</a:t>
+              <a:t>1/30/2015</a:t>
             </a:fld>
             <a:endParaRPr lang="en-US" dirty="0"/>
           </a:p>
@@ -6174,7 +6174,7 @@
           <a:blip r:embed="rId2">
             <a:extLst>
               <a:ext uri="{28A0092B-C50C-407E-A947-70E740481C1C}">
-                <a14:useLocalDpi xmlns:a14="http://schemas.microsoft.com/office/drawing/2010/main" val="0"/>
+                <a14:useLocalDpi xmlns:a14="http://schemas.microsoft.com/office/drawing/2010/main"/>
               </a:ext>
             </a:extLst>
           </a:blip>
@@ -6337,7 +6337,7 @@
           <a:blip r:embed="rId2">
             <a:extLst>
               <a:ext uri="{28A0092B-C50C-407E-A947-70E740481C1C}">
-                <a14:useLocalDpi xmlns:a14="http://schemas.microsoft.com/office/drawing/2010/main" val="0"/>
+                <a14:useLocalDpi xmlns:a14="http://schemas.microsoft.com/office/drawing/2010/main"/>
               </a:ext>
             </a:extLst>
           </a:blip>
@@ -6458,15 +6458,7 @@
             </a:r>
             <a:r>
               <a:rPr lang="es-MX" sz="3200" dirty="0" smtClean="0"/>
-              <a:t> no remueve información, cuando se introduce un cambio simplemente se añade </a:t>
-            </a:r>
-            <a:r>
-              <a:rPr lang="es-MX" sz="3200" dirty="0" smtClean="0"/>
-              <a:t>más </a:t>
-            </a:r>
-            <a:r>
-              <a:rPr lang="es-MX" sz="3200" dirty="0" smtClean="0"/>
-              <a:t>información al repositorio</a:t>
+              <a:t> no remueve información, cuando se introduce un cambio simplemente se añade más información al repositorio</a:t>
             </a:r>
           </a:p>
           <a:p>
@@ -6520,8 +6512,14 @@
           <p:nvPr/>
         </p:nvPicPr>
         <p:blipFill rotWithShape="1">
-          <a:blip r:embed="rId2"/>
-          <a:srcRect l="53530" t="37104" r="26772" b="45819"/>
+          <a:blip r:embed="rId2" cstate="email">
+            <a:extLst>
+              <a:ext uri="{28A0092B-C50C-407E-A947-70E740481C1C}">
+                <a14:useLocalDpi xmlns:a14="http://schemas.microsoft.com/office/drawing/2010/main"/>
+              </a:ext>
+            </a:extLst>
+          </a:blip>
+          <a:srcRect/>
           <a:stretch/>
         </p:blipFill>
         <p:spPr>
@@ -6543,8 +6541,14 @@
           <p:nvPr/>
         </p:nvPicPr>
         <p:blipFill rotWithShape="1">
-          <a:blip r:embed="rId3"/>
-          <a:srcRect l="52938" t="41329" r="26475" b="21875"/>
+          <a:blip r:embed="rId3" cstate="email">
+            <a:extLst>
+              <a:ext uri="{28A0092B-C50C-407E-A947-70E740481C1C}">
+                <a14:useLocalDpi xmlns:a14="http://schemas.microsoft.com/office/drawing/2010/main"/>
+              </a:ext>
+            </a:extLst>
+          </a:blip>
+          <a:srcRect/>
           <a:stretch/>
         </p:blipFill>
         <p:spPr>
@@ -6566,8 +6570,14 @@
           <p:nvPr/>
         </p:nvPicPr>
         <p:blipFill rotWithShape="1">
-          <a:blip r:embed="rId4"/>
-          <a:srcRect l="53432" t="31294" r="26178" b="32790"/>
+          <a:blip r:embed="rId4" cstate="email">
+            <a:extLst>
+              <a:ext uri="{28A0092B-C50C-407E-A947-70E740481C1C}">
+                <a14:useLocalDpi xmlns:a14="http://schemas.microsoft.com/office/drawing/2010/main"/>
+              </a:ext>
+            </a:extLst>
+          </a:blip>
+          <a:srcRect/>
           <a:stretch/>
         </p:blipFill>
         <p:spPr>
@@ -6721,8 +6731,14 @@
           <p:nvPr/>
         </p:nvPicPr>
         <p:blipFill rotWithShape="1">
-          <a:blip r:embed="rId5"/>
-          <a:srcRect l="53134" t="42385" r="26970" b="20467"/>
+          <a:blip r:embed="rId5" cstate="email">
+            <a:extLst>
+              <a:ext uri="{28A0092B-C50C-407E-A947-70E740481C1C}">
+                <a14:useLocalDpi xmlns:a14="http://schemas.microsoft.com/office/drawing/2010/main"/>
+              </a:ext>
+            </a:extLst>
+          </a:blip>
+          <a:srcRect/>
           <a:stretch/>
         </p:blipFill>
         <p:spPr>
@@ -6744,8 +6760,14 @@
           <p:nvPr/>
         </p:nvPicPr>
         <p:blipFill rotWithShape="1">
-          <a:blip r:embed="rId6"/>
-          <a:srcRect l="43731" t="29534" r="40729" b="46171"/>
+          <a:blip r:embed="rId6" cstate="email">
+            <a:extLst>
+              <a:ext uri="{28A0092B-C50C-407E-A947-70E740481C1C}">
+                <a14:useLocalDpi xmlns:a14="http://schemas.microsoft.com/office/drawing/2010/main"/>
+              </a:ext>
+            </a:extLst>
+          </a:blip>
+          <a:srcRect/>
           <a:stretch/>
         </p:blipFill>
         <p:spPr>
@@ -6797,8 +6819,14 @@
           <p:nvPr/>
         </p:nvPicPr>
         <p:blipFill rotWithShape="1">
-          <a:blip r:embed="rId7"/>
-          <a:srcRect l="53036" t="35657" r="26277" b="26451"/>
+          <a:blip r:embed="rId7" cstate="email">
+            <a:extLst>
+              <a:ext uri="{28A0092B-C50C-407E-A947-70E740481C1C}">
+                <a14:useLocalDpi xmlns:a14="http://schemas.microsoft.com/office/drawing/2010/main"/>
+              </a:ext>
+            </a:extLst>
+          </a:blip>
+          <a:srcRect/>
           <a:stretch/>
         </p:blipFill>
         <p:spPr>
@@ -6820,8 +6848,14 @@
           <p:nvPr/>
         </p:nvPicPr>
         <p:blipFill rotWithShape="1">
-          <a:blip r:embed="rId8"/>
-          <a:srcRect l="40267" t="36223" r="44787" b="39305"/>
+          <a:blip r:embed="rId8" cstate="email">
+            <a:extLst>
+              <a:ext uri="{28A0092B-C50C-407E-A947-70E740481C1C}">
+                <a14:useLocalDpi xmlns:a14="http://schemas.microsoft.com/office/drawing/2010/main"/>
+              </a:ext>
+            </a:extLst>
+          </a:blip>
+          <a:srcRect/>
           <a:stretch/>
         </p:blipFill>
         <p:spPr>
